--- a/Sesión 2 - Gitflow Workflow/B1. Ramificaciones.pptx
+++ b/Sesión 2 - Gitflow Workflow/B1. Ramificaciones.pptx
@@ -378,7 +378,7 @@
           <a:p>
             <a:fld id="{D93F5598-B961-43AD-9C0D-F6C878AB2392}" type="datetimeFigureOut">
               <a:rPr lang="es-CO" smtClean="0"/>
-              <a:t>28/07/20</a:t>
+              <a:t>29/07/20</a:t>
             </a:fld>
             <a:endParaRPr lang="es-CO"/>
           </a:p>
@@ -586,7 +586,7 @@
           <a:p>
             <a:fld id="{D93F5598-B961-43AD-9C0D-F6C878AB2392}" type="datetimeFigureOut">
               <a:rPr lang="es-CO" smtClean="0"/>
-              <a:t>28/07/20</a:t>
+              <a:t>29/07/20</a:t>
             </a:fld>
             <a:endParaRPr lang="es-CO"/>
           </a:p>
@@ -842,7 +842,7 @@
           <a:p>
             <a:fld id="{D93F5598-B961-43AD-9C0D-F6C878AB2392}" type="datetimeFigureOut">
               <a:rPr lang="es-CO" smtClean="0"/>
-              <a:t>28/07/20</a:t>
+              <a:t>29/07/20</a:t>
             </a:fld>
             <a:endParaRPr lang="es-CO"/>
           </a:p>
@@ -1016,7 +1016,7 @@
           <a:p>
             <a:fld id="{D93F5598-B961-43AD-9C0D-F6C878AB2392}" type="datetimeFigureOut">
               <a:rPr lang="es-CO" smtClean="0"/>
-              <a:t>28/07/20</a:t>
+              <a:t>29/07/20</a:t>
             </a:fld>
             <a:endParaRPr lang="es-CO"/>
           </a:p>
@@ -1359,7 +1359,7 @@
           <a:p>
             <a:fld id="{D93F5598-B961-43AD-9C0D-F6C878AB2392}" type="datetimeFigureOut">
               <a:rPr lang="es-CO" smtClean="0"/>
-              <a:t>28/07/20</a:t>
+              <a:t>29/07/20</a:t>
             </a:fld>
             <a:endParaRPr lang="es-CO"/>
           </a:p>
@@ -1634,7 +1634,7 @@
           <a:p>
             <a:fld id="{D93F5598-B961-43AD-9C0D-F6C878AB2392}" type="datetimeFigureOut">
               <a:rPr lang="es-CO" smtClean="0"/>
-              <a:t>28/07/20</a:t>
+              <a:t>29/07/20</a:t>
             </a:fld>
             <a:endParaRPr lang="es-CO"/>
           </a:p>
@@ -2013,7 +2013,7 @@
           <a:p>
             <a:fld id="{D93F5598-B961-43AD-9C0D-F6C878AB2392}" type="datetimeFigureOut">
               <a:rPr lang="es-CO" smtClean="0"/>
-              <a:t>28/07/20</a:t>
+              <a:t>29/07/20</a:t>
             </a:fld>
             <a:endParaRPr lang="es-CO"/>
           </a:p>
@@ -2131,7 +2131,7 @@
           <a:p>
             <a:fld id="{D93F5598-B961-43AD-9C0D-F6C878AB2392}" type="datetimeFigureOut">
               <a:rPr lang="es-CO" smtClean="0"/>
-              <a:t>28/07/20</a:t>
+              <a:t>29/07/20</a:t>
             </a:fld>
             <a:endParaRPr lang="es-CO"/>
           </a:p>
@@ -2302,7 +2302,7 @@
           <a:p>
             <a:fld id="{D93F5598-B961-43AD-9C0D-F6C878AB2392}" type="datetimeFigureOut">
               <a:rPr lang="es-CO" smtClean="0"/>
-              <a:t>28/07/20</a:t>
+              <a:t>29/07/20</a:t>
             </a:fld>
             <a:endParaRPr lang="es-CO"/>
           </a:p>
@@ -2656,7 +2656,7 @@
           <a:p>
             <a:fld id="{D93F5598-B961-43AD-9C0D-F6C878AB2392}" type="datetimeFigureOut">
               <a:rPr lang="es-CO" smtClean="0"/>
-              <a:t>28/07/20</a:t>
+              <a:t>29/07/20</a:t>
             </a:fld>
             <a:endParaRPr lang="es-CO"/>
           </a:p>
@@ -3038,7 +3038,7 @@
           <a:p>
             <a:fld id="{D93F5598-B961-43AD-9C0D-F6C878AB2392}" type="datetimeFigureOut">
               <a:rPr lang="es-CO" smtClean="0"/>
-              <a:t>28/07/20</a:t>
+              <a:t>29/07/20</a:t>
             </a:fld>
             <a:endParaRPr lang="es-CO"/>
           </a:p>
@@ -3325,7 +3325,7 @@
           <a:p>
             <a:fld id="{D93F5598-B961-43AD-9C0D-F6C878AB2392}" type="datetimeFigureOut">
               <a:rPr lang="es-CO" smtClean="0"/>
-              <a:t>28/07/20</a:t>
+              <a:t>29/07/20</a:t>
             </a:fld>
             <a:endParaRPr lang="es-CO"/>
           </a:p>
@@ -23731,6 +23731,52 @@
           </a:extLst>
         </p:spPr>
       </p:pic>
+      <p:sp>
+        <p:nvSpPr>
+          <p:cNvPr id="33" name="Elipse 21">
+            <a:extLst>
+              <a:ext uri="{FF2B5EF4-FFF2-40B4-BE49-F238E27FC236}">
+                <a16:creationId xmlns:a16="http://schemas.microsoft.com/office/drawing/2014/main" id="{C9021474-D3C5-FC42-8750-56EF95F431F4}"/>
+              </a:ext>
+            </a:extLst>
+          </p:cNvPr>
+          <p:cNvSpPr/>
+          <p:nvPr/>
+        </p:nvSpPr>
+        <p:spPr>
+          <a:xfrm>
+            <a:off x="8330490" y="3100602"/>
+            <a:ext cx="196645" cy="196645"/>
+          </a:xfrm>
+          <a:prstGeom prst="ellipse">
+            <a:avLst/>
+          </a:prstGeom>
+        </p:spPr>
+        <p:style>
+          <a:lnRef idx="2">
+            <a:schemeClr val="accent1">
+              <a:shade val="50000"/>
+            </a:schemeClr>
+          </a:lnRef>
+          <a:fillRef idx="1">
+            <a:schemeClr val="accent1"/>
+          </a:fillRef>
+          <a:effectRef idx="0">
+            <a:schemeClr val="accent1"/>
+          </a:effectRef>
+          <a:fontRef idx="minor">
+            <a:schemeClr val="lt1"/>
+          </a:fontRef>
+        </p:style>
+        <p:txBody>
+          <a:bodyPr rtlCol="0" anchor="ctr"/>
+          <a:lstStyle/>
+          <a:p>
+            <a:pPr algn="ctr"/>
+            <a:endParaRPr lang="es-CO"/>
+          </a:p>
+        </p:txBody>
+      </p:sp>
     </p:spTree>
     <p:extLst>
       <p:ext uri="{BB962C8B-B14F-4D97-AF65-F5344CB8AC3E}">
